--- a/class 10/3.Ethics in IT/2. Presentation/Ethics 3.pptx
+++ b/class 10/3.Ethics in IT/2. Presentation/Ethics 3.pptx
@@ -7,11 +7,14 @@
   <p:sldIdLst>
     <p:sldId id="305" r:id="rId3"/>
     <p:sldId id="297" r:id="rId4"/>
-    <p:sldId id="313" r:id="rId5"/>
-    <p:sldId id="314" r:id="rId6"/>
-    <p:sldId id="315" r:id="rId7"/>
-    <p:sldId id="316" r:id="rId8"/>
-    <p:sldId id="283" r:id="rId9"/>
+    <p:sldId id="318" r:id="rId5"/>
+    <p:sldId id="319" r:id="rId6"/>
+    <p:sldId id="320" r:id="rId7"/>
+    <p:sldId id="321" r:id="rId8"/>
+    <p:sldId id="322" r:id="rId9"/>
+    <p:sldId id="323" r:id="rId10"/>
+    <p:sldId id="324" r:id="rId11"/>
+    <p:sldId id="283" r:id="rId12"/>
   </p:sldIdLst>
   <p:sldSz cx="12192000" cy="6858000"/>
   <p:notesSz cx="7103745" cy="10234295"/>
@@ -3178,7 +3181,7 @@
         <p:spPr>
           <a:xfrm>
             <a:off x="3672205" y="4229100"/>
-            <a:ext cx="3183890" cy="1568450"/>
+            <a:ext cx="2779395" cy="1568450"/>
           </a:xfrm>
           <a:prstGeom prst="rect">
             <a:avLst/>
@@ -3205,24 +3208,7 @@
                 <a:latin typeface="Purisa" panose="02000603000000000000" charset="0"/>
                 <a:cs typeface="Purisa" panose="02000603000000000000" charset="0"/>
               </a:rPr>
-              <a:t>Class I</a:t>
-            </a:r>
-            <a:r>
-              <a:rPr lang="" altLang="en-US" sz="4800" b="1">
-                <a:solidFill>
-                  <a:schemeClr val="tx1"/>
-                </a:solidFill>
-                <a:effectLst>
-                  <a:outerShdw blurRad="38100" dist="19050" dir="2700000" algn="tl" rotWithShape="0">
-                    <a:schemeClr val="dk1">
-                      <a:alpha val="40000"/>
-                    </a:schemeClr>
-                  </a:outerShdw>
-                </a:effectLst>
-                <a:latin typeface="Purisa" panose="02000603000000000000" charset="0"/>
-                <a:cs typeface="Purisa" panose="02000603000000000000" charset="0"/>
-              </a:rPr>
-              <a:t>X</a:t>
+              <a:t>Class X</a:t>
             </a:r>
             <a:endParaRPr lang="en-US" altLang="en-US" sz="4800" b="1">
               <a:solidFill>
@@ -3292,6 +3278,196 @@
           <a:xfrm>
             <a:off x="9763125" y="278130"/>
             <a:ext cx="2010410" cy="2010410"/>
+          </a:xfrm>
+          <a:prstGeom prst="rect">
+            <a:avLst/>
+          </a:prstGeom>
+        </p:spPr>
+      </p:pic>
+    </p:spTree>
+  </p:cSld>
+  <p:clrMapOvr>
+    <a:masterClrMapping/>
+  </p:clrMapOvr>
+</p:sld>
+</file>
+
+<file path=ppt/slides/slide10.xml><?xml version="1.0" encoding="utf-8"?>
+<p:sld xmlns:a="http://schemas.openxmlformats.org/drawingml/2006/main" xmlns:r="http://schemas.openxmlformats.org/officeDocument/2006/relationships" xmlns:p="http://schemas.openxmlformats.org/presentationml/2006/main">
+  <p:cSld>
+    <p:bg>
+      <p:bgPr>
+        <a:gradFill>
+          <a:gsLst>
+            <a:gs pos="94000">
+              <a:srgbClr val="54782E">
+                <a:alpha val="100000"/>
+              </a:srgbClr>
+            </a:gs>
+            <a:gs pos="99000">
+              <a:srgbClr val="557A2F">
+                <a:alpha val="100000"/>
+              </a:srgbClr>
+            </a:gs>
+            <a:gs pos="99000">
+              <a:srgbClr val="577D30">
+                <a:alpha val="100000"/>
+              </a:srgbClr>
+            </a:gs>
+            <a:gs pos="98000">
+              <a:srgbClr val="5C8433">
+                <a:alpha val="100000"/>
+              </a:srgbClr>
+            </a:gs>
+            <a:gs pos="96000">
+              <a:srgbClr val="659138">
+                <a:alpha val="100000"/>
+              </a:srgbClr>
+            </a:gs>
+            <a:gs pos="92000">
+              <a:srgbClr val="78AC42">
+                <a:alpha val="100000"/>
+              </a:srgbClr>
+            </a:gs>
+            <a:gs pos="42000">
+              <a:schemeClr val="bg1"/>
+            </a:gs>
+            <a:gs pos="100000">
+              <a:srgbClr val="52762D"/>
+            </a:gs>
+          </a:gsLst>
+          <a:lin ang="2700000" scaled="0"/>
+        </a:gradFill>
+        <a:effectLst/>
+      </p:bgPr>
+    </p:bg>
+    <p:spTree>
+      <p:nvGrpSpPr>
+        <p:cNvPr id="1" name=""/>
+        <p:cNvGrpSpPr/>
+        <p:nvPr/>
+      </p:nvGrpSpPr>
+      <p:grpSpPr/>
+      <p:pic>
+        <p:nvPicPr>
+          <p:cNvPr id="5" name="Picture 4" descr="United TrusT Logo"/>
+          <p:cNvPicPr>
+            <a:picLocks noChangeAspect="1"/>
+          </p:cNvPicPr>
+          <p:nvPr/>
+        </p:nvPicPr>
+        <p:blipFill>
+          <a:blip r:embed="rId1"/>
+          <a:stretch>
+            <a:fillRect/>
+          </a:stretch>
+        </p:blipFill>
+        <p:spPr>
+          <a:xfrm>
+            <a:off x="108585" y="6128385"/>
+            <a:ext cx="1650365" cy="634365"/>
+          </a:xfrm>
+          <a:prstGeom prst="rect">
+            <a:avLst/>
+          </a:prstGeom>
+        </p:spPr>
+      </p:pic>
+      <p:pic>
+        <p:nvPicPr>
+          <p:cNvPr id="6" name="Picture 5" descr="bdedu_logo"/>
+          <p:cNvPicPr>
+            <a:picLocks noChangeAspect="1"/>
+          </p:cNvPicPr>
+          <p:nvPr/>
+        </p:nvPicPr>
+        <p:blipFill>
+          <a:blip r:embed="rId2"/>
+          <a:stretch>
+            <a:fillRect/>
+          </a:stretch>
+        </p:blipFill>
+        <p:spPr>
+          <a:xfrm>
+            <a:off x="9440545" y="6061710"/>
+            <a:ext cx="2693670" cy="701040"/>
+          </a:xfrm>
+          <a:prstGeom prst="rect">
+            <a:avLst/>
+          </a:prstGeom>
+        </p:spPr>
+      </p:pic>
+      <p:pic>
+        <p:nvPicPr>
+          <p:cNvPr id="9" name="Picture 8"/>
+          <p:cNvPicPr>
+            <a:picLocks noChangeAspect="1"/>
+          </p:cNvPicPr>
+          <p:nvPr/>
+        </p:nvPicPr>
+        <p:blipFill>
+          <a:blip r:embed="rId3">
+            <a:lum bright="24000"/>
+          </a:blip>
+          <a:stretch>
+            <a:fillRect/>
+          </a:stretch>
+        </p:blipFill>
+        <p:spPr>
+          <a:xfrm>
+            <a:off x="108585" y="-498475"/>
+            <a:ext cx="2097405" cy="2482850"/>
+          </a:xfrm>
+          <a:prstGeom prst="rect">
+            <a:avLst/>
+          </a:prstGeom>
+          <a:noFill/>
+          <a:ln>
+            <a:noFill/>
+          </a:ln>
+        </p:spPr>
+      </p:pic>
+      <p:pic>
+        <p:nvPicPr>
+          <p:cNvPr id="8" name="Picture 7"/>
+          <p:cNvPicPr>
+            <a:picLocks noChangeAspect="1"/>
+          </p:cNvPicPr>
+          <p:nvPr/>
+        </p:nvPicPr>
+        <p:blipFill>
+          <a:blip r:embed="rId4"/>
+          <a:stretch>
+            <a:fillRect/>
+          </a:stretch>
+        </p:blipFill>
+        <p:spPr>
+          <a:xfrm rot="21000000">
+            <a:off x="349250" y="2075180"/>
+            <a:ext cx="4798060" cy="3469640"/>
+          </a:xfrm>
+          <a:prstGeom prst="rect">
+            <a:avLst/>
+          </a:prstGeom>
+        </p:spPr>
+      </p:pic>
+      <p:pic>
+        <p:nvPicPr>
+          <p:cNvPr id="2" name="Picture 1"/>
+          <p:cNvPicPr>
+            <a:picLocks noChangeAspect="1"/>
+          </p:cNvPicPr>
+          <p:nvPr/>
+        </p:nvPicPr>
+        <p:blipFill>
+          <a:blip r:embed="rId5"/>
+          <a:stretch>
+            <a:fillRect/>
+          </a:stretch>
+        </p:blipFill>
+        <p:spPr>
+          <a:xfrm>
+            <a:off x="5619750" y="-20320"/>
+            <a:ext cx="6741795" cy="6934835"/>
           </a:xfrm>
           <a:prstGeom prst="rect">
             <a:avLst/>
@@ -3583,7 +3759,7 @@
                 <a:latin typeface="Uroob" panose="00000800000000000000" charset="0"/>
                 <a:cs typeface="Uroob" panose="00000800000000000000" charset="0"/>
               </a:rPr>
-              <a:t>ARP Poisoning</a:t>
+              <a:t>Wireless Hacking</a:t>
             </a:r>
             <a:endParaRPr lang="en-US" altLang="en-US" sz="8000">
               <a:solidFill>
@@ -3595,9 +3771,59 @@
           </a:p>
         </p:txBody>
       </p:sp>
+      <p:sp>
+        <p:nvSpPr>
+          <p:cNvPr id="2" name="Text Box 1"/>
+          <p:cNvSpPr txBox="1"/>
+          <p:nvPr/>
+        </p:nvSpPr>
+        <p:spPr>
+          <a:xfrm>
+            <a:off x="461010" y="2879725"/>
+            <a:ext cx="6387465" cy="1814830"/>
+          </a:xfrm>
+          <a:prstGeom prst="rect">
+            <a:avLst/>
+          </a:prstGeom>
+          <a:noFill/>
+        </p:spPr>
+        <p:txBody>
+          <a:bodyPr wrap="none" rtlCol="0">
+            <a:spAutoFit/>
+          </a:bodyPr>
+          <a:p>
+            <a:r>
+              <a:rPr lang="" altLang="en-US" sz="2800"/>
+              <a:t>accessing the wireess network </a:t>
+            </a:r>
+            <a:endParaRPr lang="" altLang="en-US" sz="2800"/>
+          </a:p>
+          <a:p>
+            <a:r>
+              <a:rPr lang="" altLang="en-US" sz="2800"/>
+              <a:t>allows a hacker to take any</a:t>
+            </a:r>
+            <a:endParaRPr lang="" altLang="en-US" sz="2800"/>
+          </a:p>
+          <a:p>
+            <a:r>
+              <a:rPr lang="" altLang="en-US" sz="2800"/>
+              <a:t> crucial step for any system which </a:t>
+            </a:r>
+            <a:endParaRPr lang="" altLang="en-US" sz="2800"/>
+          </a:p>
+          <a:p>
+            <a:r>
+              <a:rPr lang="" altLang="en-US" sz="2800"/>
+              <a:t>is connected to wirless network</a:t>
+            </a:r>
+            <a:endParaRPr lang="" altLang="en-US" sz="2800"/>
+          </a:p>
+        </p:txBody>
+      </p:sp>
       <p:pic>
         <p:nvPicPr>
-          <p:cNvPr id="3" name="Picture 2"/>
+          <p:cNvPr id="4" name="Picture 3"/>
           <p:cNvPicPr>
             <a:picLocks noChangeAspect="1"/>
           </p:cNvPicPr>
@@ -3607,12 +3833,12 @@
           <a:blip r:embed="rId4">
             <a:clrChange>
               <a:clrFrom>
-                <a:srgbClr val="F2F2F2">
+                <a:srgbClr val="F6F6F6">
                   <a:alpha val="100000"/>
                 </a:srgbClr>
               </a:clrFrom>
               <a:clrTo>
-                <a:srgbClr val="F2F2F2">
+                <a:srgbClr val="F6F6F6">
                   <a:alpha val="100000"/>
                   <a:alpha val="0"/>
                 </a:srgbClr>
@@ -3620,54 +3846,20 @@
             </a:clrChange>
             <a:lum bright="-6000"/>
           </a:blip>
-          <a:srcRect l="2052" t="4456" b="2661"/>
           <a:stretch>
             <a:fillRect/>
           </a:stretch>
         </p:blipFill>
         <p:spPr>
           <a:xfrm>
-            <a:off x="545465" y="1984375"/>
-            <a:ext cx="6609080" cy="3613150"/>
+            <a:off x="6848475" y="1445895"/>
+            <a:ext cx="4907280" cy="4914900"/>
           </a:xfrm>
           <a:prstGeom prst="rect">
             <a:avLst/>
           </a:prstGeom>
         </p:spPr>
       </p:pic>
-      <p:sp>
-        <p:nvSpPr>
-          <p:cNvPr id="100" name="Text Box 99"/>
-          <p:cNvSpPr txBox="1"/>
-          <p:nvPr/>
-        </p:nvSpPr>
-        <p:spPr>
-          <a:xfrm>
-            <a:off x="7154545" y="2760345"/>
-            <a:ext cx="5080000" cy="2061210"/>
-          </a:xfrm>
-          <a:prstGeom prst="rect">
-            <a:avLst/>
-          </a:prstGeom>
-          <a:noFill/>
-          <a:ln w="9525">
-            <a:noFill/>
-          </a:ln>
-        </p:spPr>
-        <p:txBody>
-          <a:bodyPr>
-            <a:spAutoFit/>
-          </a:bodyPr>
-          <a:p>
-            <a:pPr marL="0" indent="0"/>
-            <a:r>
-              <a:rPr lang="en-US" sz="3200"/>
-              <a:t>ARP queries in the system to find out other machines’ MAC addresses</a:t>
-            </a:r>
-            <a:endParaRPr lang="en-US" sz="3200"/>
-          </a:p>
-        </p:txBody>
-      </p:sp>
     </p:spTree>
   </p:cSld>
   <p:clrMapOvr>
@@ -3953,9 +4145,19 @@
                 <a:latin typeface="Uroob" panose="00000800000000000000" charset="0"/>
                 <a:cs typeface="Uroob" panose="00000800000000000000" charset="0"/>
               </a:rPr>
-              <a:t>ARP Spoofing</a:t>
-            </a:r>
-            <a:endParaRPr lang="en-US" altLang="en-US" sz="8000">
+              <a:t>Wireless </a:t>
+            </a:r>
+            <a:r>
+              <a:rPr lang="" altLang="en-US" sz="8000">
+                <a:solidFill>
+                  <a:srgbClr val="C6790C"/>
+                </a:solidFill>
+                <a:latin typeface="Uroob" panose="00000800000000000000" charset="0"/>
+                <a:cs typeface="Uroob" panose="00000800000000000000" charset="0"/>
+              </a:rPr>
+              <a:t>Network</a:t>
+            </a:r>
+            <a:endParaRPr lang="" altLang="en-US" sz="8000">
               <a:solidFill>
                 <a:srgbClr val="C6790C"/>
               </a:solidFill>
@@ -3965,9 +4167,38 @@
           </a:p>
         </p:txBody>
       </p:sp>
+      <p:sp>
+        <p:nvSpPr>
+          <p:cNvPr id="100" name="Text Box 99"/>
+          <p:cNvSpPr txBox="1"/>
+          <p:nvPr/>
+        </p:nvSpPr>
+        <p:spPr>
+          <a:xfrm>
+            <a:off x="7154545" y="2760345"/>
+            <a:ext cx="5080000" cy="583565"/>
+          </a:xfrm>
+          <a:prstGeom prst="rect">
+            <a:avLst/>
+          </a:prstGeom>
+          <a:noFill/>
+          <a:ln w="9525">
+            <a:noFill/>
+          </a:ln>
+        </p:spPr>
+        <p:txBody>
+          <a:bodyPr>
+            <a:spAutoFit/>
+          </a:bodyPr>
+          <a:p>
+            <a:pPr marL="0" indent="0"/>
+            <a:endParaRPr lang="en-US" sz="3200"/>
+          </a:p>
+        </p:txBody>
+      </p:sp>
       <p:pic>
         <p:nvPicPr>
-          <p:cNvPr id="15" name="Picture 12" descr="IMG_256"/>
+          <p:cNvPr id="2" name="Picture 2" descr="IMG_257"/>
           <p:cNvPicPr>
             <a:picLocks noChangeAspect="1"/>
           </p:cNvPicPr>
@@ -3988,7 +4219,7 @@
                 </a:srgbClr>
               </a:clrTo>
             </a:clrChange>
-            <a:lum bright="-6000"/>
+            <a:lum bright="-18000"/>
           </a:blip>
           <a:stretch>
             <a:fillRect/>
@@ -3996,8 +4227,8 @@
         </p:blipFill>
         <p:spPr>
           <a:xfrm>
-            <a:off x="5238115" y="2148205"/>
-            <a:ext cx="7491095" cy="4210685"/>
+            <a:off x="1487805" y="1722120"/>
+            <a:ext cx="8999220" cy="3839845"/>
           </a:xfrm>
           <a:prstGeom prst="rect">
             <a:avLst/>
@@ -4008,73 +4239,6 @@
           </a:ln>
         </p:spPr>
       </p:pic>
-      <p:sp>
-        <p:nvSpPr>
-          <p:cNvPr id="2" name="Text Box 1"/>
-          <p:cNvSpPr txBox="1"/>
-          <p:nvPr/>
-        </p:nvSpPr>
-        <p:spPr>
-          <a:xfrm>
-            <a:off x="885190" y="2148205"/>
-            <a:ext cx="5963285" cy="2553335"/>
-          </a:xfrm>
-          <a:prstGeom prst="rect">
-            <a:avLst/>
-          </a:prstGeom>
-          <a:noFill/>
-          <a:ln w="9525">
-            <a:noFill/>
-          </a:ln>
-        </p:spPr>
-        <p:txBody>
-          <a:bodyPr wrap="square">
-            <a:spAutoFit/>
-          </a:bodyPr>
-          <a:p>
-            <a:pPr marL="0" indent="0"/>
-            <a:r>
-              <a:rPr lang="en-US" sz="3200" b="0">
-                <a:latin typeface="Calibri" charset="0"/>
-                <a:cs typeface="SimSun" charset="0"/>
-              </a:rPr>
-              <a:t>ARP spoofing constructs a large number of forged </a:t>
-            </a:r>
-            <a:endParaRPr lang="en-US" sz="3200" b="0">
-              <a:latin typeface="Calibri" charset="0"/>
-              <a:cs typeface="SimSun" charset="0"/>
-            </a:endParaRPr>
-          </a:p>
-          <a:p>
-            <a:pPr marL="0" indent="0"/>
-            <a:r>
-              <a:rPr lang="en-US" sz="3200" b="0">
-                <a:latin typeface="Calibri" charset="0"/>
-                <a:cs typeface="SimSun" charset="0"/>
-              </a:rPr>
-              <a:t>ARP request and reply packets to overload </a:t>
-            </a:r>
-            <a:endParaRPr lang="en-US" sz="3200" b="0">
-              <a:latin typeface="Calibri" charset="0"/>
-              <a:cs typeface="SimSun" charset="0"/>
-            </a:endParaRPr>
-          </a:p>
-          <a:p>
-            <a:pPr marL="0" indent="0"/>
-            <a:r>
-              <a:rPr lang="en-US" sz="3200" b="0">
-                <a:latin typeface="Calibri" charset="0"/>
-                <a:cs typeface="SimSun" charset="0"/>
-              </a:rPr>
-              <a:t>the switch</a:t>
-            </a:r>
-            <a:endParaRPr lang="en-US" sz="3200" b="0">
-              <a:latin typeface="Calibri" charset="0"/>
-              <a:cs typeface="SimSun" charset="0"/>
-            </a:endParaRPr>
-          </a:p>
-        </p:txBody>
-      </p:sp>
     </p:spTree>
   </p:cSld>
   <p:clrMapOvr>
@@ -4360,9 +4524,19 @@
                 <a:latin typeface="Uroob" panose="00000800000000000000" charset="0"/>
                 <a:cs typeface="Uroob" panose="00000800000000000000" charset="0"/>
               </a:rPr>
-              <a:t>              MITM</a:t>
-            </a:r>
-            <a:endParaRPr lang="" altLang="en-US" sz="8000">
+              <a:t>          </a:t>
+            </a:r>
+            <a:r>
+              <a:rPr lang="en-US" altLang="en-US" sz="8000">
+                <a:solidFill>
+                  <a:srgbClr val="C6790C"/>
+                </a:solidFill>
+                <a:latin typeface="Uroob" panose="00000800000000000000" charset="0"/>
+                <a:cs typeface="Uroob" panose="00000800000000000000" charset="0"/>
+              </a:rPr>
+              <a:t>Kismet</a:t>
+            </a:r>
+            <a:endParaRPr lang="en-US" altLang="en-US" sz="8000">
               <a:solidFill>
                 <a:srgbClr val="C6790C"/>
               </a:solidFill>
@@ -4372,39 +4546,106 @@
           </a:p>
         </p:txBody>
       </p:sp>
+      <p:sp>
+        <p:nvSpPr>
+          <p:cNvPr id="100" name="Text Box 99"/>
+          <p:cNvSpPr txBox="1"/>
+          <p:nvPr/>
+        </p:nvSpPr>
+        <p:spPr>
+          <a:xfrm>
+            <a:off x="7154545" y="2760345"/>
+            <a:ext cx="5080000" cy="583565"/>
+          </a:xfrm>
+          <a:prstGeom prst="rect">
+            <a:avLst/>
+          </a:prstGeom>
+          <a:noFill/>
+          <a:ln w="9525">
+            <a:noFill/>
+          </a:ln>
+        </p:spPr>
+        <p:txBody>
+          <a:bodyPr>
+            <a:spAutoFit/>
+          </a:bodyPr>
+          <a:p>
+            <a:pPr indent="0"/>
+            <a:endParaRPr lang="en-US" sz="3200"/>
+          </a:p>
+        </p:txBody>
+      </p:sp>
+      <p:sp>
+        <p:nvSpPr>
+          <p:cNvPr id="3" name="Text Box 2"/>
+          <p:cNvSpPr txBox="1"/>
+          <p:nvPr/>
+        </p:nvSpPr>
+        <p:spPr>
+          <a:xfrm>
+            <a:off x="398780" y="3170555"/>
+            <a:ext cx="5080000" cy="1076325"/>
+          </a:xfrm>
+          <a:prstGeom prst="rect">
+            <a:avLst/>
+          </a:prstGeom>
+          <a:noFill/>
+          <a:ln w="9525">
+            <a:noFill/>
+          </a:ln>
+        </p:spPr>
+        <p:txBody>
+          <a:bodyPr>
+            <a:spAutoFit/>
+          </a:bodyPr>
+          <a:p>
+            <a:pPr marL="0" indent="0"/>
+            <a:r>
+              <a:rPr lang="en-US" sz="3200" b="0">
+                <a:latin typeface="Calibri" charset="0"/>
+                <a:cs typeface="SimSun" charset="0"/>
+              </a:rPr>
+              <a:t>a powerful tool for</a:t>
+            </a:r>
+            <a:endParaRPr lang="en-US" sz="3200" b="0">
+              <a:latin typeface="Calibri" charset="0"/>
+              <a:cs typeface="SimSun" charset="0"/>
+            </a:endParaRPr>
+          </a:p>
+          <a:p>
+            <a:pPr marL="0" indent="0"/>
+            <a:r>
+              <a:rPr lang="en-US" sz="3200" b="0">
+                <a:latin typeface="Calibri" charset="0"/>
+                <a:cs typeface="SimSun" charset="0"/>
+              </a:rPr>
+              <a:t> wireless sniffing </a:t>
+            </a:r>
+            <a:endParaRPr lang="en-US" sz="3200" b="0">
+              <a:latin typeface="Calibri" charset="0"/>
+              <a:cs typeface="SimSun" charset="0"/>
+            </a:endParaRPr>
+          </a:p>
+        </p:txBody>
+      </p:sp>
       <p:pic>
         <p:nvPicPr>
-          <p:cNvPr id="3" name="Picture 2"/>
+          <p:cNvPr id="4" name="Picture 3"/>
           <p:cNvPicPr>
             <a:picLocks noChangeAspect="1"/>
           </p:cNvPicPr>
           <p:nvPr/>
         </p:nvPicPr>
         <p:blipFill>
-          <a:blip r:embed="rId4">
-            <a:clrChange>
-              <a:clrFrom>
-                <a:srgbClr val="FFFFFF">
-                  <a:alpha val="100000"/>
-                </a:srgbClr>
-              </a:clrFrom>
-              <a:clrTo>
-                <a:srgbClr val="FFFFFF">
-                  <a:alpha val="100000"/>
-                  <a:alpha val="0"/>
-                </a:srgbClr>
-              </a:clrTo>
-            </a:clrChange>
-            <a:lum bright="-6000"/>
-          </a:blip>
+          <a:blip r:embed="rId4"/>
           <a:stretch>
             <a:fillRect/>
           </a:stretch>
         </p:blipFill>
         <p:spPr>
           <a:xfrm>
-            <a:off x="1981835" y="1898650"/>
-            <a:ext cx="9171940" cy="3890645"/>
+            <a:off x="4429760" y="2105660"/>
+            <a:ext cx="7009765" cy="2647315"/>
           </a:xfrm>
           <a:prstGeom prst="rect">
             <a:avLst/>
@@ -4696,19 +4937,9 @@
                 <a:latin typeface="Uroob" panose="00000800000000000000" charset="0"/>
                 <a:cs typeface="Uroob" panose="00000800000000000000" charset="0"/>
               </a:rPr>
-              <a:t>      </a:t>
-            </a:r>
-            <a:r>
-              <a:rPr lang="" altLang="en-US" sz="8000">
-                <a:solidFill>
-                  <a:srgbClr val="C6790C"/>
-                </a:solidFill>
-                <a:latin typeface="Uroob" panose="00000800000000000000" charset="0"/>
-                <a:cs typeface="Uroob" panose="00000800000000000000" charset="0"/>
-              </a:rPr>
-              <a:t>ARP Poisoning</a:t>
-            </a:r>
-            <a:endParaRPr lang="" altLang="en-US" sz="8000">
+              <a:t>          Kismet</a:t>
+            </a:r>
+            <a:endParaRPr lang="en-US" altLang="en-US" sz="8000">
               <a:solidFill>
                 <a:srgbClr val="C6790C"/>
               </a:solidFill>
@@ -4718,39 +4949,131 @@
           </a:p>
         </p:txBody>
       </p:sp>
+      <p:sp>
+        <p:nvSpPr>
+          <p:cNvPr id="100" name="Text Box 99"/>
+          <p:cNvSpPr txBox="1"/>
+          <p:nvPr/>
+        </p:nvSpPr>
+        <p:spPr>
+          <a:xfrm>
+            <a:off x="7154545" y="2760345"/>
+            <a:ext cx="5080000" cy="583565"/>
+          </a:xfrm>
+          <a:prstGeom prst="rect">
+            <a:avLst/>
+          </a:prstGeom>
+          <a:noFill/>
+          <a:ln w="9525">
+            <a:noFill/>
+          </a:ln>
+        </p:spPr>
+        <p:txBody>
+          <a:bodyPr>
+            <a:spAutoFit/>
+          </a:bodyPr>
+          <a:p>
+            <a:pPr indent="0"/>
+            <a:endParaRPr lang="en-US" sz="3200"/>
+          </a:p>
+        </p:txBody>
+      </p:sp>
+      <p:sp>
+        <p:nvSpPr>
+          <p:cNvPr id="3" name="Text Box 2"/>
+          <p:cNvSpPr txBox="1"/>
+          <p:nvPr/>
+        </p:nvSpPr>
+        <p:spPr>
+          <a:xfrm>
+            <a:off x="558800" y="2744470"/>
+            <a:ext cx="5080000" cy="2553335"/>
+          </a:xfrm>
+          <a:prstGeom prst="rect">
+            <a:avLst/>
+          </a:prstGeom>
+          <a:noFill/>
+          <a:ln w="9525">
+            <a:noFill/>
+          </a:ln>
+        </p:spPr>
+        <p:txBody>
+          <a:bodyPr>
+            <a:spAutoFit/>
+          </a:bodyPr>
+          <a:p>
+            <a:pPr marL="0" indent="0"/>
+            <a:endParaRPr lang="en-US" sz="4000" b="0">
+              <a:latin typeface="Calibri" charset="0"/>
+              <a:cs typeface="SimSun" charset="0"/>
+            </a:endParaRPr>
+          </a:p>
+          <a:p>
+            <a:pPr marL="0" indent="0"/>
+            <a:r>
+              <a:rPr lang="en-US" sz="4000" b="0">
+                <a:latin typeface="Calibri" charset="0"/>
+                <a:cs typeface="SimSun" charset="0"/>
+              </a:rPr>
+              <a:t>sniffing </a:t>
+            </a:r>
+            <a:endParaRPr lang="en-US" sz="4000" b="0">
+              <a:latin typeface="Calibri" charset="0"/>
+              <a:cs typeface="SimSun" charset="0"/>
+            </a:endParaRPr>
+          </a:p>
+          <a:p>
+            <a:pPr marL="0" indent="0"/>
+            <a:r>
+              <a:rPr lang="en-US" sz="4000">
+                <a:latin typeface="Calibri" charset="0"/>
+                <a:cs typeface="SimSun" charset="0"/>
+                <a:sym typeface="+mn-ea"/>
+              </a:rPr>
+              <a:t>wireless</a:t>
+            </a:r>
+            <a:endParaRPr lang="en-US" sz="4000">
+              <a:latin typeface="Calibri" charset="0"/>
+              <a:cs typeface="SimSun" charset="0"/>
+              <a:sym typeface="+mn-ea"/>
+            </a:endParaRPr>
+          </a:p>
+          <a:p>
+            <a:pPr marL="0" indent="0"/>
+            <a:r>
+              <a:rPr lang="" altLang="en-US" sz="4000">
+                <a:latin typeface="Calibri" charset="0"/>
+                <a:cs typeface="SimSun" charset="0"/>
+                <a:sym typeface="+mn-ea"/>
+              </a:rPr>
+              <a:t>network</a:t>
+            </a:r>
+            <a:endParaRPr lang="" altLang="en-US" sz="4000" b="0">
+              <a:latin typeface="Calibri" charset="0"/>
+              <a:cs typeface="SimSun" charset="0"/>
+              <a:sym typeface="+mn-ea"/>
+            </a:endParaRPr>
+          </a:p>
+        </p:txBody>
+      </p:sp>
       <p:pic>
         <p:nvPicPr>
-          <p:cNvPr id="16" name="Picture 13" descr="IMG_256"/>
+          <p:cNvPr id="2" name="Picture 4" descr="IMG_259"/>
           <p:cNvPicPr>
             <a:picLocks noChangeAspect="1"/>
           </p:cNvPicPr>
           <p:nvPr/>
         </p:nvPicPr>
         <p:blipFill>
-          <a:blip r:embed="rId4">
-            <a:clrChange>
-              <a:clrFrom>
-                <a:srgbClr val="000000">
-                  <a:alpha val="0"/>
-                </a:srgbClr>
-              </a:clrFrom>
-              <a:clrTo>
-                <a:srgbClr val="000000">
-                  <a:alpha val="0"/>
-                  <a:alpha val="0"/>
-                </a:srgbClr>
-              </a:clrTo>
-            </a:clrChange>
-            <a:lum bright="-12000"/>
-          </a:blip>
+          <a:blip r:embed="rId4"/>
           <a:stretch>
             <a:fillRect/>
           </a:stretch>
         </p:blipFill>
         <p:spPr>
           <a:xfrm>
-            <a:off x="3190240" y="1605915"/>
-            <a:ext cx="6644005" cy="5071745"/>
+            <a:off x="4307840" y="2277110"/>
+            <a:ext cx="7022465" cy="3488055"/>
           </a:xfrm>
           <a:prstGeom prst="rect">
             <a:avLst/>
@@ -5025,8 +5348,8 @@
         </p:nvSpPr>
         <p:spPr>
           <a:xfrm>
-            <a:off x="2205990" y="283845"/>
-            <a:ext cx="9508490" cy="1322070"/>
+            <a:off x="3257550" y="-804545"/>
+            <a:ext cx="9508490" cy="2553335"/>
           </a:xfrm>
           <a:prstGeom prst="rect">
             <a:avLst/>
@@ -5046,7 +5369,7 @@
                 <a:latin typeface="Uroob" panose="00000800000000000000" charset="0"/>
                 <a:cs typeface="Uroob" panose="00000800000000000000" charset="0"/>
               </a:rPr>
-              <a:t>      ARP Poisoning</a:t>
+              <a:t>          </a:t>
             </a:r>
             <a:endParaRPr lang="en-US" altLang="en-US" sz="8000">
               <a:solidFill>
@@ -5056,11 +5379,98 @@
               <a:cs typeface="Uroob" panose="00000800000000000000" charset="0"/>
             </a:endParaRPr>
           </a:p>
+          <a:p>
+            <a:r>
+              <a:rPr lang="en-US" altLang="en-US" sz="8000">
+                <a:solidFill>
+                  <a:srgbClr val="C6790C"/>
+                </a:solidFill>
+                <a:latin typeface="Uroob" panose="00000800000000000000" charset="0"/>
+                <a:cs typeface="Uroob" panose="00000800000000000000" charset="0"/>
+              </a:rPr>
+              <a:t>NetStumbler</a:t>
+            </a:r>
+            <a:endParaRPr lang="en-US" altLang="en-US" sz="8000">
+              <a:solidFill>
+                <a:srgbClr val="C6790C"/>
+              </a:solidFill>
+              <a:latin typeface="Uroob" panose="00000800000000000000" charset="0"/>
+              <a:cs typeface="Uroob" panose="00000800000000000000" charset="0"/>
+            </a:endParaRPr>
+          </a:p>
+        </p:txBody>
+      </p:sp>
+      <p:sp>
+        <p:nvSpPr>
+          <p:cNvPr id="100" name="Text Box 99"/>
+          <p:cNvSpPr txBox="1"/>
+          <p:nvPr/>
+        </p:nvSpPr>
+        <p:spPr>
+          <a:xfrm>
+            <a:off x="7154545" y="2760345"/>
+            <a:ext cx="5080000" cy="583565"/>
+          </a:xfrm>
+          <a:prstGeom prst="rect">
+            <a:avLst/>
+          </a:prstGeom>
+          <a:noFill/>
+          <a:ln w="9525">
+            <a:noFill/>
+          </a:ln>
+        </p:spPr>
+        <p:txBody>
+          <a:bodyPr>
+            <a:spAutoFit/>
+          </a:bodyPr>
+          <a:p>
+            <a:pPr indent="0"/>
+            <a:endParaRPr lang="en-US" sz="3200"/>
+          </a:p>
+        </p:txBody>
+      </p:sp>
+      <p:sp>
+        <p:nvSpPr>
+          <p:cNvPr id="2" name="Text Box 1"/>
+          <p:cNvSpPr txBox="1"/>
+          <p:nvPr/>
+        </p:nvSpPr>
+        <p:spPr>
+          <a:xfrm>
+            <a:off x="935355" y="2760345"/>
+            <a:ext cx="5080000" cy="1753235"/>
+          </a:xfrm>
+          <a:prstGeom prst="rect">
+            <a:avLst/>
+          </a:prstGeom>
+          <a:noFill/>
+          <a:ln w="9525">
+            <a:noFill/>
+          </a:ln>
+        </p:spPr>
+        <p:txBody>
+          <a:bodyPr>
+            <a:spAutoFit/>
+          </a:bodyPr>
+          <a:p>
+            <a:pPr marL="0" indent="0"/>
+            <a:r>
+              <a:rPr lang="en-US" sz="3600" b="0">
+                <a:latin typeface="Calibri" charset="0"/>
+                <a:cs typeface="SimSun" charset="0"/>
+              </a:rPr>
+              <a:t>NetStumbler is another tool for wireless hacking</a:t>
+            </a:r>
+            <a:endParaRPr lang="en-US" sz="3600" b="0">
+              <a:latin typeface="Calibri" charset="0"/>
+              <a:cs typeface="SimSun" charset="0"/>
+            </a:endParaRPr>
+          </a:p>
         </p:txBody>
       </p:sp>
       <p:pic>
         <p:nvPicPr>
-          <p:cNvPr id="14" name="Picture 11" descr="IMG_256"/>
+          <p:cNvPr id="8" name="Picture 7" descr="IMG_262"/>
           <p:cNvPicPr>
             <a:picLocks noChangeAspect="1"/>
           </p:cNvPicPr>
@@ -5070,12 +5480,12 @@
           <a:blip r:embed="rId4">
             <a:clrChange>
               <a:clrFrom>
-                <a:srgbClr val="FFFFFF">
+                <a:srgbClr val="FEFEFE">
                   <a:alpha val="100000"/>
                 </a:srgbClr>
               </a:clrFrom>
               <a:clrTo>
-                <a:srgbClr val="FFFFFF">
+                <a:srgbClr val="FEFEFE">
                   <a:alpha val="100000"/>
                   <a:alpha val="0"/>
                 </a:srgbClr>
@@ -5089,8 +5499,8 @@
         </p:blipFill>
         <p:spPr>
           <a:xfrm>
-            <a:off x="3348355" y="2457450"/>
-            <a:ext cx="7671435" cy="3670935"/>
+            <a:off x="5573395" y="1748790"/>
+            <a:ext cx="5715000" cy="3867150"/>
           </a:xfrm>
           <a:prstGeom prst="rect">
             <a:avLst/>
@@ -5243,9 +5653,232 @@
           </a:ln>
         </p:spPr>
       </p:pic>
+      <p:sp>
+        <p:nvSpPr>
+          <p:cNvPr id="10" name="Freeform 9"/>
+          <p:cNvSpPr/>
+          <p:nvPr/>
+        </p:nvSpPr>
+        <p:spPr>
+          <a:xfrm>
+            <a:off x="2205990" y="283845"/>
+            <a:ext cx="9353550" cy="1162050"/>
+          </a:xfrm>
+          <a:custGeom>
+            <a:avLst/>
+            <a:gdLst>
+              <a:gd name="connsiteX0" fmla="*/ 0 w 14730"/>
+              <a:gd name="connsiteY0" fmla="*/ 0 h 1830"/>
+              <a:gd name="connsiteX1" fmla="*/ 13869 w 14730"/>
+              <a:gd name="connsiteY1" fmla="*/ 60 h 1830"/>
+              <a:gd name="connsiteX2" fmla="*/ 14730 w 14730"/>
+              <a:gd name="connsiteY2" fmla="*/ 1830 h 1830"/>
+              <a:gd name="connsiteX3" fmla="*/ 0 w 14730"/>
+              <a:gd name="connsiteY3" fmla="*/ 1830 h 1830"/>
+              <a:gd name="connsiteX4" fmla="*/ 0 w 14730"/>
+              <a:gd name="connsiteY4" fmla="*/ 0 h 1830"/>
+            </a:gdLst>
+            <a:ahLst/>
+            <a:cxnLst>
+              <a:cxn ang="0">
+                <a:pos x="connsiteX0" y="connsiteY0"/>
+              </a:cxn>
+              <a:cxn ang="0">
+                <a:pos x="connsiteX1" y="connsiteY1"/>
+              </a:cxn>
+              <a:cxn ang="0">
+                <a:pos x="connsiteX2" y="connsiteY2"/>
+              </a:cxn>
+              <a:cxn ang="0">
+                <a:pos x="connsiteX3" y="connsiteY3"/>
+              </a:cxn>
+              <a:cxn ang="0">
+                <a:pos x="connsiteX4" y="connsiteY4"/>
+              </a:cxn>
+            </a:cxnLst>
+            <a:rect l="l" t="t" r="r" b="b"/>
+            <a:pathLst>
+              <a:path w="14730" h="1830">
+                <a:moveTo>
+                  <a:pt x="0" y="0"/>
+                </a:moveTo>
+                <a:lnTo>
+                  <a:pt x="13869" y="60"/>
+                </a:lnTo>
+                <a:lnTo>
+                  <a:pt x="14730" y="1830"/>
+                </a:lnTo>
+                <a:lnTo>
+                  <a:pt x="0" y="1830"/>
+                </a:lnTo>
+                <a:lnTo>
+                  <a:pt x="0" y="0"/>
+                </a:lnTo>
+                <a:close/>
+              </a:path>
+            </a:pathLst>
+          </a:custGeom>
+          <a:gradFill>
+            <a:gsLst>
+              <a:gs pos="80000">
+                <a:srgbClr val="92D050"/>
+              </a:gs>
+              <a:gs pos="100000">
+                <a:schemeClr val="accent1">
+                  <a:lumMod val="30000"/>
+                  <a:lumOff val="70000"/>
+                </a:schemeClr>
+              </a:gs>
+            </a:gsLst>
+            <a:path path="rect">
+              <a:fillToRect l="50000" t="50000" r="50000" b="50000"/>
+            </a:path>
+            <a:tileRect/>
+          </a:gradFill>
+          <a:ln>
+            <a:solidFill>
+              <a:schemeClr val="bg1">
+                <a:alpha val="88000"/>
+              </a:schemeClr>
+            </a:solidFill>
+          </a:ln>
+        </p:spPr>
+        <p:style>
+          <a:lnRef idx="2">
+            <a:schemeClr val="accent1">
+              <a:shade val="50000"/>
+            </a:schemeClr>
+          </a:lnRef>
+          <a:fillRef idx="1">
+            <a:schemeClr val="accent1"/>
+          </a:fillRef>
+          <a:effectRef idx="0">
+            <a:schemeClr val="accent1"/>
+          </a:effectRef>
+          <a:fontRef idx="minor">
+            <a:schemeClr val="lt1"/>
+          </a:fontRef>
+        </p:style>
+        <p:txBody>
+          <a:bodyPr rtlCol="0" anchor="ctr"/>
+          <a:p>
+            <a:pPr algn="ctr"/>
+            <a:endParaRPr lang="en-US"/>
+          </a:p>
+        </p:txBody>
+      </p:sp>
+      <p:sp>
+        <p:nvSpPr>
+          <p:cNvPr id="11" name="Text Box 10"/>
+          <p:cNvSpPr txBox="1"/>
+          <p:nvPr/>
+        </p:nvSpPr>
+        <p:spPr>
+          <a:xfrm>
+            <a:off x="2205990" y="283845"/>
+            <a:ext cx="9508490" cy="1322070"/>
+          </a:xfrm>
+          <a:prstGeom prst="rect">
+            <a:avLst/>
+          </a:prstGeom>
+          <a:noFill/>
+        </p:spPr>
+        <p:txBody>
+          <a:bodyPr wrap="square" rtlCol="0">
+            <a:spAutoFit/>
+          </a:bodyPr>
+          <a:p>
+            <a:r>
+              <a:rPr lang="en-US" altLang="en-US" sz="8000">
+                <a:solidFill>
+                  <a:srgbClr val="C6790C"/>
+                </a:solidFill>
+                <a:latin typeface="Uroob" panose="00000800000000000000" charset="0"/>
+                <a:cs typeface="Uroob" panose="00000800000000000000" charset="0"/>
+              </a:rPr>
+              <a:t>Wired Equivalent Privacy</a:t>
+            </a:r>
+            <a:endParaRPr lang="en-US" altLang="en-US" sz="8000">
+              <a:solidFill>
+                <a:srgbClr val="C6790C"/>
+              </a:solidFill>
+              <a:latin typeface="Uroob" panose="00000800000000000000" charset="0"/>
+              <a:cs typeface="Uroob" panose="00000800000000000000" charset="0"/>
+            </a:endParaRPr>
+          </a:p>
+        </p:txBody>
+      </p:sp>
+      <p:sp>
+        <p:nvSpPr>
+          <p:cNvPr id="100" name="Text Box 99"/>
+          <p:cNvSpPr txBox="1"/>
+          <p:nvPr/>
+        </p:nvSpPr>
+        <p:spPr>
+          <a:xfrm>
+            <a:off x="7154545" y="2760345"/>
+            <a:ext cx="5080000" cy="583565"/>
+          </a:xfrm>
+          <a:prstGeom prst="rect">
+            <a:avLst/>
+          </a:prstGeom>
+          <a:noFill/>
+          <a:ln w="9525">
+            <a:noFill/>
+          </a:ln>
+        </p:spPr>
+        <p:txBody>
+          <a:bodyPr>
+            <a:spAutoFit/>
+          </a:bodyPr>
+          <a:p>
+            <a:pPr indent="0"/>
+            <a:endParaRPr lang="en-US" sz="3200"/>
+          </a:p>
+        </p:txBody>
+      </p:sp>
+      <p:sp>
+        <p:nvSpPr>
+          <p:cNvPr id="3" name="Text Box 2"/>
+          <p:cNvSpPr txBox="1"/>
+          <p:nvPr/>
+        </p:nvSpPr>
+        <p:spPr>
+          <a:xfrm>
+            <a:off x="1004570" y="2651125"/>
+            <a:ext cx="5080000" cy="2061210"/>
+          </a:xfrm>
+          <a:prstGeom prst="rect">
+            <a:avLst/>
+          </a:prstGeom>
+          <a:noFill/>
+          <a:ln w="9525">
+            <a:noFill/>
+          </a:ln>
+        </p:spPr>
+        <p:txBody>
+          <a:bodyPr>
+            <a:spAutoFit/>
+          </a:bodyPr>
+          <a:p>
+            <a:pPr marL="0" indent="0"/>
+            <a:r>
+              <a:rPr lang="en-US" sz="3200" b="0">
+                <a:latin typeface="Calibri" charset="0"/>
+                <a:cs typeface="SimSun" charset="0"/>
+              </a:rPr>
+              <a:t>a security protocol that was invented to secure wireless networks and keep them private</a:t>
+            </a:r>
+            <a:endParaRPr lang="en-US" sz="3200" b="0">
+              <a:latin typeface="Calibri" charset="0"/>
+              <a:cs typeface="SimSun" charset="0"/>
+            </a:endParaRPr>
+          </a:p>
+        </p:txBody>
+      </p:sp>
       <p:pic>
         <p:nvPicPr>
-          <p:cNvPr id="8" name="Picture 7"/>
+          <p:cNvPr id="2" name="Picture 1"/>
           <p:cNvPicPr>
             <a:picLocks noChangeAspect="1"/>
           </p:cNvPicPr>
@@ -5258,39 +5891,819 @@
           </a:stretch>
         </p:blipFill>
         <p:spPr>
-          <a:xfrm rot="21000000">
-            <a:off x="349250" y="2075180"/>
-            <a:ext cx="4798060" cy="3469640"/>
+          <a:xfrm>
+            <a:off x="6289675" y="2651125"/>
+            <a:ext cx="4889500" cy="2746375"/>
           </a:xfrm>
           <a:prstGeom prst="rect">
             <a:avLst/>
           </a:prstGeom>
         </p:spPr>
       </p:pic>
+    </p:spTree>
+  </p:cSld>
+  <p:clrMapOvr>
+    <a:masterClrMapping/>
+  </p:clrMapOvr>
+</p:sld>
+</file>
+
+<file path=ppt/slides/slide8.xml><?xml version="1.0" encoding="utf-8"?>
+<p:sld xmlns:a="http://schemas.openxmlformats.org/drawingml/2006/main" xmlns:r="http://schemas.openxmlformats.org/officeDocument/2006/relationships" xmlns:p="http://schemas.openxmlformats.org/presentationml/2006/main">
+  <p:cSld>
+    <p:bg>
+      <p:bgPr>
+        <a:gradFill>
+          <a:gsLst>
+            <a:gs pos="94000">
+              <a:srgbClr val="54782E">
+                <a:alpha val="100000"/>
+              </a:srgbClr>
+            </a:gs>
+            <a:gs pos="99000">
+              <a:srgbClr val="557A2F">
+                <a:alpha val="100000"/>
+              </a:srgbClr>
+            </a:gs>
+            <a:gs pos="99000">
+              <a:srgbClr val="577D30">
+                <a:alpha val="100000"/>
+              </a:srgbClr>
+            </a:gs>
+            <a:gs pos="98000">
+              <a:srgbClr val="5C8433">
+                <a:alpha val="100000"/>
+              </a:srgbClr>
+            </a:gs>
+            <a:gs pos="96000">
+              <a:srgbClr val="659138">
+                <a:alpha val="100000"/>
+              </a:srgbClr>
+            </a:gs>
+            <a:gs pos="92000">
+              <a:srgbClr val="78AC42">
+                <a:alpha val="100000"/>
+              </a:srgbClr>
+            </a:gs>
+            <a:gs pos="42000">
+              <a:schemeClr val="bg1"/>
+            </a:gs>
+            <a:gs pos="100000">
+              <a:srgbClr val="52762D"/>
+            </a:gs>
+          </a:gsLst>
+          <a:lin ang="2700000" scaled="0"/>
+        </a:gradFill>
+        <a:effectLst/>
+      </p:bgPr>
+    </p:bg>
+    <p:spTree>
+      <p:nvGrpSpPr>
+        <p:cNvPr id="1" name=""/>
+        <p:cNvGrpSpPr/>
+        <p:nvPr/>
+      </p:nvGrpSpPr>
+      <p:grpSpPr/>
       <p:pic>
         <p:nvPicPr>
-          <p:cNvPr id="2" name="Picture 1"/>
+          <p:cNvPr id="5" name="Picture 4" descr="United TrusT Logo"/>
           <p:cNvPicPr>
             <a:picLocks noChangeAspect="1"/>
           </p:cNvPicPr>
           <p:nvPr/>
         </p:nvPicPr>
         <p:blipFill>
-          <a:blip r:embed="rId5"/>
+          <a:blip r:embed="rId1"/>
           <a:stretch>
             <a:fillRect/>
           </a:stretch>
         </p:blipFill>
         <p:spPr>
           <a:xfrm>
-            <a:off x="5619750" y="-20320"/>
-            <a:ext cx="6741795" cy="6934835"/>
+            <a:off x="108585" y="6128385"/>
+            <a:ext cx="1650365" cy="634365"/>
           </a:xfrm>
           <a:prstGeom prst="rect">
             <a:avLst/>
           </a:prstGeom>
         </p:spPr>
       </p:pic>
+      <p:pic>
+        <p:nvPicPr>
+          <p:cNvPr id="6" name="Picture 5" descr="bdedu_logo"/>
+          <p:cNvPicPr>
+            <a:picLocks noChangeAspect="1"/>
+          </p:cNvPicPr>
+          <p:nvPr/>
+        </p:nvPicPr>
+        <p:blipFill>
+          <a:blip r:embed="rId2"/>
+          <a:stretch>
+            <a:fillRect/>
+          </a:stretch>
+        </p:blipFill>
+        <p:spPr>
+          <a:xfrm>
+            <a:off x="9440545" y="6061710"/>
+            <a:ext cx="2693670" cy="701040"/>
+          </a:xfrm>
+          <a:prstGeom prst="rect">
+            <a:avLst/>
+          </a:prstGeom>
+        </p:spPr>
+      </p:pic>
+      <p:pic>
+        <p:nvPicPr>
+          <p:cNvPr id="9" name="Picture 8"/>
+          <p:cNvPicPr>
+            <a:picLocks noChangeAspect="1"/>
+          </p:cNvPicPr>
+          <p:nvPr/>
+        </p:nvPicPr>
+        <p:blipFill>
+          <a:blip r:embed="rId3">
+            <a:lum bright="24000"/>
+          </a:blip>
+          <a:stretch>
+            <a:fillRect/>
+          </a:stretch>
+        </p:blipFill>
+        <p:spPr>
+          <a:xfrm>
+            <a:off x="108585" y="-498475"/>
+            <a:ext cx="2097405" cy="2482850"/>
+          </a:xfrm>
+          <a:prstGeom prst="rect">
+            <a:avLst/>
+          </a:prstGeom>
+          <a:noFill/>
+          <a:ln>
+            <a:noFill/>
+          </a:ln>
+        </p:spPr>
+      </p:pic>
+      <p:sp>
+        <p:nvSpPr>
+          <p:cNvPr id="10" name="Freeform 9"/>
+          <p:cNvSpPr/>
+          <p:nvPr/>
+        </p:nvSpPr>
+        <p:spPr>
+          <a:xfrm>
+            <a:off x="2205990" y="283845"/>
+            <a:ext cx="9353550" cy="1162050"/>
+          </a:xfrm>
+          <a:custGeom>
+            <a:avLst/>
+            <a:gdLst>
+              <a:gd name="connsiteX0" fmla="*/ 0 w 14730"/>
+              <a:gd name="connsiteY0" fmla="*/ 0 h 1830"/>
+              <a:gd name="connsiteX1" fmla="*/ 13869 w 14730"/>
+              <a:gd name="connsiteY1" fmla="*/ 60 h 1830"/>
+              <a:gd name="connsiteX2" fmla="*/ 14730 w 14730"/>
+              <a:gd name="connsiteY2" fmla="*/ 1830 h 1830"/>
+              <a:gd name="connsiteX3" fmla="*/ 0 w 14730"/>
+              <a:gd name="connsiteY3" fmla="*/ 1830 h 1830"/>
+              <a:gd name="connsiteX4" fmla="*/ 0 w 14730"/>
+              <a:gd name="connsiteY4" fmla="*/ 0 h 1830"/>
+            </a:gdLst>
+            <a:ahLst/>
+            <a:cxnLst>
+              <a:cxn ang="0">
+                <a:pos x="connsiteX0" y="connsiteY0"/>
+              </a:cxn>
+              <a:cxn ang="0">
+                <a:pos x="connsiteX1" y="connsiteY1"/>
+              </a:cxn>
+              <a:cxn ang="0">
+                <a:pos x="connsiteX2" y="connsiteY2"/>
+              </a:cxn>
+              <a:cxn ang="0">
+                <a:pos x="connsiteX3" y="connsiteY3"/>
+              </a:cxn>
+              <a:cxn ang="0">
+                <a:pos x="connsiteX4" y="connsiteY4"/>
+              </a:cxn>
+            </a:cxnLst>
+            <a:rect l="l" t="t" r="r" b="b"/>
+            <a:pathLst>
+              <a:path w="14730" h="1830">
+                <a:moveTo>
+                  <a:pt x="0" y="0"/>
+                </a:moveTo>
+                <a:lnTo>
+                  <a:pt x="13869" y="60"/>
+                </a:lnTo>
+                <a:lnTo>
+                  <a:pt x="14730" y="1830"/>
+                </a:lnTo>
+                <a:lnTo>
+                  <a:pt x="0" y="1830"/>
+                </a:lnTo>
+                <a:lnTo>
+                  <a:pt x="0" y="0"/>
+                </a:lnTo>
+                <a:close/>
+              </a:path>
+            </a:pathLst>
+          </a:custGeom>
+          <a:gradFill>
+            <a:gsLst>
+              <a:gs pos="80000">
+                <a:srgbClr val="92D050"/>
+              </a:gs>
+              <a:gs pos="100000">
+                <a:schemeClr val="accent1">
+                  <a:lumMod val="30000"/>
+                  <a:lumOff val="70000"/>
+                </a:schemeClr>
+              </a:gs>
+            </a:gsLst>
+            <a:path path="rect">
+              <a:fillToRect l="50000" t="50000" r="50000" b="50000"/>
+            </a:path>
+            <a:tileRect/>
+          </a:gradFill>
+          <a:ln>
+            <a:solidFill>
+              <a:schemeClr val="bg1">
+                <a:alpha val="88000"/>
+              </a:schemeClr>
+            </a:solidFill>
+          </a:ln>
+        </p:spPr>
+        <p:style>
+          <a:lnRef idx="2">
+            <a:schemeClr val="accent1">
+              <a:shade val="50000"/>
+            </a:schemeClr>
+          </a:lnRef>
+          <a:fillRef idx="1">
+            <a:schemeClr val="accent1"/>
+          </a:fillRef>
+          <a:effectRef idx="0">
+            <a:schemeClr val="accent1"/>
+          </a:effectRef>
+          <a:fontRef idx="minor">
+            <a:schemeClr val="lt1"/>
+          </a:fontRef>
+        </p:style>
+        <p:txBody>
+          <a:bodyPr rtlCol="0" anchor="ctr"/>
+          <a:p>
+            <a:pPr algn="ctr"/>
+            <a:endParaRPr lang="en-US"/>
+          </a:p>
+        </p:txBody>
+      </p:sp>
+      <p:sp>
+        <p:nvSpPr>
+          <p:cNvPr id="11" name="Text Box 10"/>
+          <p:cNvSpPr txBox="1"/>
+          <p:nvPr/>
+        </p:nvSpPr>
+        <p:spPr>
+          <a:xfrm>
+            <a:off x="2205990" y="283845"/>
+            <a:ext cx="9508490" cy="1322070"/>
+          </a:xfrm>
+          <a:prstGeom prst="rect">
+            <a:avLst/>
+          </a:prstGeom>
+          <a:noFill/>
+        </p:spPr>
+        <p:txBody>
+          <a:bodyPr wrap="square" rtlCol="0">
+            <a:spAutoFit/>
+          </a:bodyPr>
+          <a:p>
+            <a:r>
+              <a:rPr lang="en-US" altLang="en-US" sz="8000">
+                <a:solidFill>
+                  <a:srgbClr val="C6790C"/>
+                </a:solidFill>
+                <a:latin typeface="Uroob" panose="00000800000000000000" charset="0"/>
+                <a:cs typeface="Uroob" panose="00000800000000000000" charset="0"/>
+              </a:rPr>
+              <a:t>          WEPcrack</a:t>
+            </a:r>
+            <a:endParaRPr lang="en-US" altLang="en-US" sz="8000">
+              <a:solidFill>
+                <a:srgbClr val="C6790C"/>
+              </a:solidFill>
+              <a:latin typeface="Uroob" panose="00000800000000000000" charset="0"/>
+              <a:cs typeface="Uroob" panose="00000800000000000000" charset="0"/>
+            </a:endParaRPr>
+          </a:p>
+        </p:txBody>
+      </p:sp>
+      <p:sp>
+        <p:nvSpPr>
+          <p:cNvPr id="100" name="Text Box 99"/>
+          <p:cNvSpPr txBox="1"/>
+          <p:nvPr/>
+        </p:nvSpPr>
+        <p:spPr>
+          <a:xfrm>
+            <a:off x="7154545" y="2760345"/>
+            <a:ext cx="5080000" cy="583565"/>
+          </a:xfrm>
+          <a:prstGeom prst="rect">
+            <a:avLst/>
+          </a:prstGeom>
+          <a:noFill/>
+          <a:ln w="9525">
+            <a:noFill/>
+          </a:ln>
+        </p:spPr>
+        <p:txBody>
+          <a:bodyPr>
+            <a:spAutoFit/>
+          </a:bodyPr>
+          <a:p>
+            <a:pPr indent="0"/>
+            <a:endParaRPr lang="en-US" sz="3200"/>
+          </a:p>
+        </p:txBody>
+      </p:sp>
+      <p:sp>
+        <p:nvSpPr>
+          <p:cNvPr id="3" name="Text Box 2"/>
+          <p:cNvSpPr txBox="1"/>
+          <p:nvPr/>
+        </p:nvSpPr>
+        <p:spPr>
+          <a:xfrm>
+            <a:off x="6762115" y="3456305"/>
+            <a:ext cx="5080000" cy="1568450"/>
+          </a:xfrm>
+          <a:prstGeom prst="rect">
+            <a:avLst/>
+          </a:prstGeom>
+          <a:noFill/>
+          <a:ln w="9525">
+            <a:noFill/>
+          </a:ln>
+        </p:spPr>
+        <p:txBody>
+          <a:bodyPr>
+            <a:spAutoFit/>
+          </a:bodyPr>
+          <a:p>
+            <a:pPr marL="0" indent="0"/>
+            <a:r>
+              <a:rPr lang="en-US" sz="3200" b="0">
+                <a:latin typeface="Calibri" charset="0"/>
+                <a:cs typeface="SimSun" charset="0"/>
+              </a:rPr>
+              <a:t>WEPcrack is a popular tool to crack WEP passwords</a:t>
+            </a:r>
+            <a:endParaRPr lang="en-US" sz="3200" b="0">
+              <a:latin typeface="Calibri" charset="0"/>
+              <a:cs typeface="SimSun" charset="0"/>
+            </a:endParaRPr>
+          </a:p>
+        </p:txBody>
+      </p:sp>
+      <p:pic>
+        <p:nvPicPr>
+          <p:cNvPr id="13" name="Picture 8" descr="IMG_263"/>
+          <p:cNvPicPr>
+            <a:picLocks noChangeAspect="1"/>
+          </p:cNvPicPr>
+          <p:nvPr/>
+        </p:nvPicPr>
+        <p:blipFill>
+          <a:blip r:embed="rId4"/>
+          <a:stretch>
+            <a:fillRect/>
+          </a:stretch>
+        </p:blipFill>
+        <p:spPr>
+          <a:xfrm>
+            <a:off x="762000" y="2215515"/>
+            <a:ext cx="5358765" cy="3143885"/>
+          </a:xfrm>
+          <a:prstGeom prst="rect">
+            <a:avLst/>
+          </a:prstGeom>
+          <a:noFill/>
+          <a:ln w="9525">
+            <a:noFill/>
+          </a:ln>
+        </p:spPr>
+      </p:pic>
+    </p:spTree>
+  </p:cSld>
+  <p:clrMapOvr>
+    <a:masterClrMapping/>
+  </p:clrMapOvr>
+</p:sld>
+</file>
+
+<file path=ppt/slides/slide9.xml><?xml version="1.0" encoding="utf-8"?>
+<p:sld xmlns:a="http://schemas.openxmlformats.org/drawingml/2006/main" xmlns:r="http://schemas.openxmlformats.org/officeDocument/2006/relationships" xmlns:p="http://schemas.openxmlformats.org/presentationml/2006/main">
+  <p:cSld>
+    <p:bg>
+      <p:bgPr>
+        <a:gradFill>
+          <a:gsLst>
+            <a:gs pos="94000">
+              <a:srgbClr val="54782E">
+                <a:alpha val="100000"/>
+              </a:srgbClr>
+            </a:gs>
+            <a:gs pos="99000">
+              <a:srgbClr val="557A2F">
+                <a:alpha val="100000"/>
+              </a:srgbClr>
+            </a:gs>
+            <a:gs pos="99000">
+              <a:srgbClr val="577D30">
+                <a:alpha val="100000"/>
+              </a:srgbClr>
+            </a:gs>
+            <a:gs pos="98000">
+              <a:srgbClr val="5C8433">
+                <a:alpha val="100000"/>
+              </a:srgbClr>
+            </a:gs>
+            <a:gs pos="96000">
+              <a:srgbClr val="659138">
+                <a:alpha val="100000"/>
+              </a:srgbClr>
+            </a:gs>
+            <a:gs pos="92000">
+              <a:srgbClr val="78AC42">
+                <a:alpha val="100000"/>
+              </a:srgbClr>
+            </a:gs>
+            <a:gs pos="42000">
+              <a:schemeClr val="bg1"/>
+            </a:gs>
+            <a:gs pos="100000">
+              <a:srgbClr val="52762D"/>
+            </a:gs>
+          </a:gsLst>
+          <a:lin ang="2700000" scaled="0"/>
+        </a:gradFill>
+        <a:effectLst/>
+      </p:bgPr>
+    </p:bg>
+    <p:spTree>
+      <p:nvGrpSpPr>
+        <p:cNvPr id="1" name=""/>
+        <p:cNvGrpSpPr/>
+        <p:nvPr/>
+      </p:nvGrpSpPr>
+      <p:grpSpPr/>
+      <p:pic>
+        <p:nvPicPr>
+          <p:cNvPr id="5" name="Picture 4" descr="United TrusT Logo"/>
+          <p:cNvPicPr>
+            <a:picLocks noChangeAspect="1"/>
+          </p:cNvPicPr>
+          <p:nvPr/>
+        </p:nvPicPr>
+        <p:blipFill>
+          <a:blip r:embed="rId1"/>
+          <a:stretch>
+            <a:fillRect/>
+          </a:stretch>
+        </p:blipFill>
+        <p:spPr>
+          <a:xfrm>
+            <a:off x="108585" y="6128385"/>
+            <a:ext cx="1650365" cy="634365"/>
+          </a:xfrm>
+          <a:prstGeom prst="rect">
+            <a:avLst/>
+          </a:prstGeom>
+        </p:spPr>
+      </p:pic>
+      <p:pic>
+        <p:nvPicPr>
+          <p:cNvPr id="6" name="Picture 5" descr="bdedu_logo"/>
+          <p:cNvPicPr>
+            <a:picLocks noChangeAspect="1"/>
+          </p:cNvPicPr>
+          <p:nvPr/>
+        </p:nvPicPr>
+        <p:blipFill>
+          <a:blip r:embed="rId2"/>
+          <a:stretch>
+            <a:fillRect/>
+          </a:stretch>
+        </p:blipFill>
+        <p:spPr>
+          <a:xfrm>
+            <a:off x="9440545" y="6061710"/>
+            <a:ext cx="2693670" cy="701040"/>
+          </a:xfrm>
+          <a:prstGeom prst="rect">
+            <a:avLst/>
+          </a:prstGeom>
+        </p:spPr>
+      </p:pic>
+      <p:pic>
+        <p:nvPicPr>
+          <p:cNvPr id="9" name="Picture 8"/>
+          <p:cNvPicPr>
+            <a:picLocks noChangeAspect="1"/>
+          </p:cNvPicPr>
+          <p:nvPr/>
+        </p:nvPicPr>
+        <p:blipFill>
+          <a:blip r:embed="rId3">
+            <a:lum bright="24000"/>
+          </a:blip>
+          <a:stretch>
+            <a:fillRect/>
+          </a:stretch>
+        </p:blipFill>
+        <p:spPr>
+          <a:xfrm>
+            <a:off x="108585" y="-498475"/>
+            <a:ext cx="2097405" cy="2482850"/>
+          </a:xfrm>
+          <a:prstGeom prst="rect">
+            <a:avLst/>
+          </a:prstGeom>
+          <a:noFill/>
+          <a:ln>
+            <a:noFill/>
+          </a:ln>
+        </p:spPr>
+      </p:pic>
+      <p:sp>
+        <p:nvSpPr>
+          <p:cNvPr id="10" name="Freeform 9"/>
+          <p:cNvSpPr/>
+          <p:nvPr/>
+        </p:nvSpPr>
+        <p:spPr>
+          <a:xfrm>
+            <a:off x="2205990" y="283845"/>
+            <a:ext cx="9353550" cy="1162050"/>
+          </a:xfrm>
+          <a:custGeom>
+            <a:avLst/>
+            <a:gdLst>
+              <a:gd name="connsiteX0" fmla="*/ 0 w 14730"/>
+              <a:gd name="connsiteY0" fmla="*/ 0 h 1830"/>
+              <a:gd name="connsiteX1" fmla="*/ 13869 w 14730"/>
+              <a:gd name="connsiteY1" fmla="*/ 60 h 1830"/>
+              <a:gd name="connsiteX2" fmla="*/ 14730 w 14730"/>
+              <a:gd name="connsiteY2" fmla="*/ 1830 h 1830"/>
+              <a:gd name="connsiteX3" fmla="*/ 0 w 14730"/>
+              <a:gd name="connsiteY3" fmla="*/ 1830 h 1830"/>
+              <a:gd name="connsiteX4" fmla="*/ 0 w 14730"/>
+              <a:gd name="connsiteY4" fmla="*/ 0 h 1830"/>
+            </a:gdLst>
+            <a:ahLst/>
+            <a:cxnLst>
+              <a:cxn ang="0">
+                <a:pos x="connsiteX0" y="connsiteY0"/>
+              </a:cxn>
+              <a:cxn ang="0">
+                <a:pos x="connsiteX1" y="connsiteY1"/>
+              </a:cxn>
+              <a:cxn ang="0">
+                <a:pos x="connsiteX2" y="connsiteY2"/>
+              </a:cxn>
+              <a:cxn ang="0">
+                <a:pos x="connsiteX3" y="connsiteY3"/>
+              </a:cxn>
+              <a:cxn ang="0">
+                <a:pos x="connsiteX4" y="connsiteY4"/>
+              </a:cxn>
+            </a:cxnLst>
+            <a:rect l="l" t="t" r="r" b="b"/>
+            <a:pathLst>
+              <a:path w="14730" h="1830">
+                <a:moveTo>
+                  <a:pt x="0" y="0"/>
+                </a:moveTo>
+                <a:lnTo>
+                  <a:pt x="13869" y="60"/>
+                </a:lnTo>
+                <a:lnTo>
+                  <a:pt x="14730" y="1830"/>
+                </a:lnTo>
+                <a:lnTo>
+                  <a:pt x="0" y="1830"/>
+                </a:lnTo>
+                <a:lnTo>
+                  <a:pt x="0" y="0"/>
+                </a:lnTo>
+                <a:close/>
+              </a:path>
+            </a:pathLst>
+          </a:custGeom>
+          <a:gradFill>
+            <a:gsLst>
+              <a:gs pos="80000">
+                <a:srgbClr val="92D050"/>
+              </a:gs>
+              <a:gs pos="100000">
+                <a:schemeClr val="accent1">
+                  <a:lumMod val="30000"/>
+                  <a:lumOff val="70000"/>
+                </a:schemeClr>
+              </a:gs>
+            </a:gsLst>
+            <a:path path="rect">
+              <a:fillToRect l="50000" t="50000" r="50000" b="50000"/>
+            </a:path>
+            <a:tileRect/>
+          </a:gradFill>
+          <a:ln>
+            <a:solidFill>
+              <a:schemeClr val="bg1">
+                <a:alpha val="88000"/>
+              </a:schemeClr>
+            </a:solidFill>
+          </a:ln>
+        </p:spPr>
+        <p:style>
+          <a:lnRef idx="2">
+            <a:schemeClr val="accent1">
+              <a:shade val="50000"/>
+            </a:schemeClr>
+          </a:lnRef>
+          <a:fillRef idx="1">
+            <a:schemeClr val="accent1"/>
+          </a:fillRef>
+          <a:effectRef idx="0">
+            <a:schemeClr val="accent1"/>
+          </a:effectRef>
+          <a:fontRef idx="minor">
+            <a:schemeClr val="lt1"/>
+          </a:fontRef>
+        </p:style>
+        <p:txBody>
+          <a:bodyPr rtlCol="0" anchor="ctr"/>
+          <a:p>
+            <a:pPr algn="ctr"/>
+            <a:endParaRPr lang="en-US"/>
+          </a:p>
+        </p:txBody>
+      </p:sp>
+      <p:sp>
+        <p:nvSpPr>
+          <p:cNvPr id="11" name="Text Box 10"/>
+          <p:cNvSpPr txBox="1"/>
+          <p:nvPr/>
+        </p:nvSpPr>
+        <p:spPr>
+          <a:xfrm>
+            <a:off x="2205990" y="283845"/>
+            <a:ext cx="9508490" cy="1322070"/>
+          </a:xfrm>
+          <a:prstGeom prst="rect">
+            <a:avLst/>
+          </a:prstGeom>
+          <a:noFill/>
+        </p:spPr>
+        <p:txBody>
+          <a:bodyPr wrap="square" rtlCol="0">
+            <a:spAutoFit/>
+          </a:bodyPr>
+          <a:p>
+            <a:r>
+              <a:rPr lang="en-US" altLang="en-US" sz="8000">
+                <a:solidFill>
+                  <a:srgbClr val="C6790C"/>
+                </a:solidFill>
+                <a:latin typeface="Uroob" panose="00000800000000000000" charset="0"/>
+                <a:cs typeface="Uroob" panose="00000800000000000000" charset="0"/>
+              </a:rPr>
+              <a:t>Wireless DoS Attacks</a:t>
+            </a:r>
+            <a:endParaRPr lang="en-US" altLang="en-US" sz="8000">
+              <a:solidFill>
+                <a:srgbClr val="C6790C"/>
+              </a:solidFill>
+              <a:latin typeface="Uroob" panose="00000800000000000000" charset="0"/>
+              <a:cs typeface="Uroob" panose="00000800000000000000" charset="0"/>
+            </a:endParaRPr>
+          </a:p>
+        </p:txBody>
+      </p:sp>
+      <p:sp>
+        <p:nvSpPr>
+          <p:cNvPr id="100" name="Text Box 99"/>
+          <p:cNvSpPr txBox="1"/>
+          <p:nvPr/>
+        </p:nvSpPr>
+        <p:spPr>
+          <a:xfrm>
+            <a:off x="7154545" y="2760345"/>
+            <a:ext cx="5080000" cy="583565"/>
+          </a:xfrm>
+          <a:prstGeom prst="rect">
+            <a:avLst/>
+          </a:prstGeom>
+          <a:noFill/>
+          <a:ln w="9525">
+            <a:noFill/>
+          </a:ln>
+        </p:spPr>
+        <p:txBody>
+          <a:bodyPr>
+            <a:spAutoFit/>
+          </a:bodyPr>
+          <a:p>
+            <a:pPr indent="0"/>
+            <a:endParaRPr lang="en-US" sz="3200"/>
+          </a:p>
+        </p:txBody>
+      </p:sp>
+      <p:pic>
+        <p:nvPicPr>
+          <p:cNvPr id="12" name="Picture 10" descr="IMG_265"/>
+          <p:cNvPicPr>
+            <a:picLocks noChangeAspect="1"/>
+          </p:cNvPicPr>
+          <p:nvPr/>
+        </p:nvPicPr>
+        <p:blipFill>
+          <a:blip r:embed="rId4"/>
+          <a:stretch>
+            <a:fillRect/>
+          </a:stretch>
+        </p:blipFill>
+        <p:spPr>
+          <a:xfrm>
+            <a:off x="5067300" y="2306320"/>
+            <a:ext cx="6835775" cy="3053080"/>
+          </a:xfrm>
+          <a:prstGeom prst="rect">
+            <a:avLst/>
+          </a:prstGeom>
+          <a:noFill/>
+          <a:ln w="9525">
+            <a:noFill/>
+          </a:ln>
+        </p:spPr>
+      </p:pic>
+      <p:sp>
+        <p:nvSpPr>
+          <p:cNvPr id="2" name="Text Box 1"/>
+          <p:cNvSpPr txBox="1"/>
+          <p:nvPr/>
+        </p:nvSpPr>
+        <p:spPr>
+          <a:xfrm>
+            <a:off x="108585" y="2591435"/>
+            <a:ext cx="7548245" cy="2245360"/>
+          </a:xfrm>
+          <a:prstGeom prst="rect">
+            <a:avLst/>
+          </a:prstGeom>
+          <a:noFill/>
+        </p:spPr>
+        <p:txBody>
+          <a:bodyPr wrap="square" rtlCol="0" anchor="t">
+            <a:spAutoFit/>
+          </a:bodyPr>
+          <a:p>
+            <a:r>
+              <a:rPr lang="en-US" sz="2800"/>
+              <a:t>Low Orbit Ion Cannon </a:t>
+            </a:r>
+            <a:endParaRPr lang="en-US" sz="2800"/>
+          </a:p>
+          <a:p>
+            <a:r>
+              <a:rPr lang="en-US" sz="2800"/>
+              <a:t>is an open-source network</a:t>
+            </a:r>
+            <a:endParaRPr lang="en-US" sz="2800"/>
+          </a:p>
+          <a:p>
+            <a:r>
+              <a:rPr lang="en-US" sz="2800"/>
+              <a:t> stress testing and </a:t>
+            </a:r>
+            <a:endParaRPr lang="en-US" sz="2800"/>
+          </a:p>
+          <a:p>
+            <a:r>
+              <a:rPr lang="en-US" sz="2800"/>
+              <a:t>denial-of-service attack</a:t>
+            </a:r>
+            <a:endParaRPr lang="en-US" sz="2800"/>
+          </a:p>
+          <a:p>
+            <a:r>
+              <a:rPr lang="en-US" sz="2800"/>
+              <a:t> application</a:t>
+            </a:r>
+            <a:endParaRPr lang="en-US" sz="2800"/>
+          </a:p>
+        </p:txBody>
+      </p:sp>
     </p:spTree>
   </p:cSld>
   <p:clrMapOvr>
